--- a/3-Machine_Learning/1-Supervisado/1-Regression/1-Linear_Regression/Machine Learning - Linear regression.pptx
+++ b/3-Machine_Learning/1-Supervisado/1-Regression/1-Linear_Regression/Machine Learning - Linear regression.pptx
@@ -11149,7 +11149,25 @@
                 </a:solidFill>
                 <a:latin typeface="Arial"/>
               </a:rPr>
-              <a:t>Distribución normal del target</a:t>
+              <a:t>Distribución normal </a:t>
+            </a:r>
+            <a:r>
+              <a:rPr lang="es-ES" sz="1800" b="1" strike="noStrike" spc="-1" dirty="0">
+                <a:solidFill>
+                  <a:srgbClr val="FF0000"/>
+                </a:solidFill>
+                <a:latin typeface="Arial"/>
+              </a:rPr>
+              <a:t>de los errores (residuos) </a:t>
+            </a:r>
+            <a:r>
+              <a:rPr lang="es-ES" sz="1800" b="0" strike="noStrike" spc="-1" dirty="0">
+                <a:solidFill>
+                  <a:schemeClr val="bg1"/>
+                </a:solidFill>
+                <a:latin typeface="Arial"/>
+              </a:rPr>
+              <a:t>del target</a:t>
             </a:r>
           </a:p>
           <a:p>
@@ -11308,7 +11326,7 @@
         </p:blipFill>
         <p:spPr bwMode="auto">
           <a:xfrm>
-            <a:off x="1342239" y="4446320"/>
+            <a:off x="1324484" y="4565101"/>
             <a:ext cx="2180890" cy="1927859"/>
           </a:xfrm>
           <a:prstGeom prst="rect">
